--- a/Abschlusspraesentation.pptx
+++ b/Abschlusspraesentation.pptx
@@ -5,7 +5,7 @@
     <p:sldMasterId id="2147483672" r:id="rId1"/>
   </p:sldMasterIdLst>
   <p:notesMasterIdLst>
-    <p:notesMasterId r:id="rId14"/>
+    <p:notesMasterId r:id="rId22"/>
   </p:notesMasterIdLst>
   <p:sldIdLst>
     <p:sldId id="256" r:id="rId2"/>
@@ -20,6 +20,14 @@
     <p:sldId id="266" r:id="rId11"/>
     <p:sldId id="264" r:id="rId12"/>
     <p:sldId id="267" r:id="rId13"/>
+    <p:sldId id="270" r:id="rId14"/>
+    <p:sldId id="271" r:id="rId15"/>
+    <p:sldId id="272" r:id="rId16"/>
+    <p:sldId id="273" r:id="rId17"/>
+    <p:sldId id="274" r:id="rId18"/>
+    <p:sldId id="275" r:id="rId19"/>
+    <p:sldId id="276" r:id="rId20"/>
+    <p:sldId id="277" r:id="rId21"/>
   </p:sldIdLst>
   <p:sldSz cx="9144000" cy="6858000" type="screen4x3"/>
   <p:notesSz cx="6858000" cy="9144000"/>
@@ -203,7 +211,8 @@
           <a:p>
             <a:fld id="{3A8771F0-BBAE-4709-99CC-3ECE2E591066}" type="datetimeFigureOut">
               <a:rPr lang="de-DE" smtClean="0"/>
-              <a:t>07.07.2013</a:t>
+              <a:pPr/>
+              <a:t>08.07.2013</a:t>
             </a:fld>
             <a:endParaRPr lang="de-DE"/>
           </a:p>
@@ -364,6 +373,7 @@
           <a:p>
             <a:fld id="{2B6DAB4B-4578-43EC-9DEA-E04BE906C360}" type="slidenum">
               <a:rPr lang="de-DE" smtClean="0"/>
+              <a:pPr/>
               <a:t>‹Nr.›</a:t>
             </a:fld>
             <a:endParaRPr lang="de-DE"/>
@@ -535,6 +545,7 @@
           <a:p>
             <a:fld id="{2B6DAB4B-4578-43EC-9DEA-E04BE906C360}" type="slidenum">
               <a:rPr lang="de-DE" smtClean="0"/>
+              <a:pPr/>
               <a:t>8</a:t>
             </a:fld>
             <a:endParaRPr lang="de-DE"/>
@@ -933,7 +944,8 @@
           <a:p>
             <a:fld id="{DC29BBC0-B56A-4C16-A9E7-3ED5929B05BF}" type="datetimeFigureOut">
               <a:rPr lang="de-DE" smtClean="0"/>
-              <a:t>07.07.2013</a:t>
+              <a:pPr/>
+              <a:t>08.07.2013</a:t>
             </a:fld>
             <a:endParaRPr lang="de-DE"/>
           </a:p>
@@ -975,6 +987,7 @@
           <a:p>
             <a:fld id="{397C1883-0123-4C3E-940E-22DC6CB7071D}" type="slidenum">
               <a:rPr lang="de-DE" smtClean="0"/>
+              <a:pPr/>
               <a:t>‹Nr.›</a:t>
             </a:fld>
             <a:endParaRPr lang="de-DE"/>
@@ -1098,7 +1111,8 @@
           <a:p>
             <a:fld id="{DC29BBC0-B56A-4C16-A9E7-3ED5929B05BF}" type="datetimeFigureOut">
               <a:rPr lang="de-DE" smtClean="0"/>
-              <a:t>07.07.2013</a:t>
+              <a:pPr/>
+              <a:t>08.07.2013</a:t>
             </a:fld>
             <a:endParaRPr lang="de-DE"/>
           </a:p>
@@ -1140,6 +1154,7 @@
           <a:p>
             <a:fld id="{397C1883-0123-4C3E-940E-22DC6CB7071D}" type="slidenum">
               <a:rPr lang="de-DE" smtClean="0"/>
+              <a:pPr/>
               <a:t>‹Nr.›</a:t>
             </a:fld>
             <a:endParaRPr lang="de-DE"/>
@@ -1273,7 +1288,8 @@
           <a:p>
             <a:fld id="{DC29BBC0-B56A-4C16-A9E7-3ED5929B05BF}" type="datetimeFigureOut">
               <a:rPr lang="de-DE" smtClean="0"/>
-              <a:t>07.07.2013</a:t>
+              <a:pPr/>
+              <a:t>08.07.2013</a:t>
             </a:fld>
             <a:endParaRPr lang="de-DE"/>
           </a:p>
@@ -1315,6 +1331,7 @@
           <a:p>
             <a:fld id="{397C1883-0123-4C3E-940E-22DC6CB7071D}" type="slidenum">
               <a:rPr lang="de-DE" smtClean="0"/>
+              <a:pPr/>
               <a:t>‹Nr.›</a:t>
             </a:fld>
             <a:endParaRPr lang="de-DE"/>
@@ -1442,7 +1459,8 @@
           <a:p>
             <a:fld id="{DC29BBC0-B56A-4C16-A9E7-3ED5929B05BF}" type="datetimeFigureOut">
               <a:rPr lang="de-DE" smtClean="0"/>
-              <a:t>07.07.2013</a:t>
+              <a:pPr/>
+              <a:t>08.07.2013</a:t>
             </a:fld>
             <a:endParaRPr lang="de-DE"/>
           </a:p>
@@ -1484,6 +1502,7 @@
           <a:p>
             <a:fld id="{397C1883-0123-4C3E-940E-22DC6CB7071D}" type="slidenum">
               <a:rPr lang="de-DE" smtClean="0"/>
+              <a:pPr/>
               <a:t>‹Nr.›</a:t>
             </a:fld>
             <a:endParaRPr lang="de-DE"/>
@@ -1897,7 +1916,8 @@
           <a:p>
             <a:fld id="{DC29BBC0-B56A-4C16-A9E7-3ED5929B05BF}" type="datetimeFigureOut">
               <a:rPr lang="de-DE" smtClean="0"/>
-              <a:t>07.07.2013</a:t>
+              <a:pPr/>
+              <a:t>08.07.2013</a:t>
             </a:fld>
             <a:endParaRPr lang="de-DE"/>
           </a:p>
@@ -1939,6 +1959,7 @@
           <a:p>
             <a:fld id="{397C1883-0123-4C3E-940E-22DC6CB7071D}" type="slidenum">
               <a:rPr lang="de-DE" smtClean="0"/>
+              <a:pPr/>
               <a:t>‹Nr.›</a:t>
             </a:fld>
             <a:endParaRPr lang="de-DE"/>
@@ -2161,7 +2182,8 @@
           <a:p>
             <a:fld id="{DC29BBC0-B56A-4C16-A9E7-3ED5929B05BF}" type="datetimeFigureOut">
               <a:rPr lang="de-DE" smtClean="0"/>
-              <a:t>07.07.2013</a:t>
+              <a:pPr/>
+              <a:t>08.07.2013</a:t>
             </a:fld>
             <a:endParaRPr lang="de-DE"/>
           </a:p>
@@ -2203,6 +2225,7 @@
           <a:p>
             <a:fld id="{397C1883-0123-4C3E-940E-22DC6CB7071D}" type="slidenum">
               <a:rPr lang="de-DE" smtClean="0"/>
+              <a:pPr/>
               <a:t>‹Nr.›</a:t>
             </a:fld>
             <a:endParaRPr lang="de-DE"/>
@@ -2535,7 +2558,8 @@
           <a:p>
             <a:fld id="{DC29BBC0-B56A-4C16-A9E7-3ED5929B05BF}" type="datetimeFigureOut">
               <a:rPr lang="de-DE" smtClean="0"/>
-              <a:t>07.07.2013</a:t>
+              <a:pPr/>
+              <a:t>08.07.2013</a:t>
             </a:fld>
             <a:endParaRPr lang="de-DE"/>
           </a:p>
@@ -2577,6 +2601,7 @@
           <a:p>
             <a:fld id="{397C1883-0123-4C3E-940E-22DC6CB7071D}" type="slidenum">
               <a:rPr lang="de-DE" smtClean="0"/>
+              <a:pPr/>
               <a:t>‹Nr.›</a:t>
             </a:fld>
             <a:endParaRPr lang="de-DE"/>
@@ -2657,7 +2682,8 @@
           <a:p>
             <a:fld id="{DC29BBC0-B56A-4C16-A9E7-3ED5929B05BF}" type="datetimeFigureOut">
               <a:rPr lang="de-DE" smtClean="0"/>
-              <a:t>07.07.2013</a:t>
+              <a:pPr/>
+              <a:t>08.07.2013</a:t>
             </a:fld>
             <a:endParaRPr lang="de-DE"/>
           </a:p>
@@ -2680,6 +2706,7 @@
           <a:p>
             <a:fld id="{397C1883-0123-4C3E-940E-22DC6CB7071D}" type="slidenum">
               <a:rPr lang="de-DE" smtClean="0"/>
+              <a:pPr/>
               <a:t>‹Nr.›</a:t>
             </a:fld>
             <a:endParaRPr lang="de-DE"/>
@@ -2747,7 +2774,8 @@
           <a:p>
             <a:fld id="{DC29BBC0-B56A-4C16-A9E7-3ED5929B05BF}" type="datetimeFigureOut">
               <a:rPr lang="de-DE" smtClean="0"/>
-              <a:t>07.07.2013</a:t>
+              <a:pPr/>
+              <a:t>08.07.2013</a:t>
             </a:fld>
             <a:endParaRPr lang="de-DE"/>
           </a:p>
@@ -2789,6 +2817,7 @@
           <a:p>
             <a:fld id="{397C1883-0123-4C3E-940E-22DC6CB7071D}" type="slidenum">
               <a:rPr lang="de-DE" smtClean="0"/>
+              <a:pPr/>
               <a:t>‹Nr.›</a:t>
             </a:fld>
             <a:endParaRPr lang="de-DE"/>
@@ -2996,7 +3025,8 @@
           <a:p>
             <a:fld id="{DC29BBC0-B56A-4C16-A9E7-3ED5929B05BF}" type="datetimeFigureOut">
               <a:rPr lang="de-DE" smtClean="0"/>
-              <a:t>07.07.2013</a:t>
+              <a:pPr/>
+              <a:t>08.07.2013</a:t>
             </a:fld>
             <a:endParaRPr lang="de-DE"/>
           </a:p>
@@ -3043,6 +3073,7 @@
           <a:p>
             <a:fld id="{397C1883-0123-4C3E-940E-22DC6CB7071D}" type="slidenum">
               <a:rPr lang="de-DE" smtClean="0"/>
+              <a:pPr/>
               <a:t>‹Nr.›</a:t>
             </a:fld>
             <a:endParaRPr lang="de-DE"/>
@@ -3255,7 +3286,8 @@
           <a:p>
             <a:fld id="{DC29BBC0-B56A-4C16-A9E7-3ED5929B05BF}" type="datetimeFigureOut">
               <a:rPr lang="de-DE" smtClean="0"/>
-              <a:t>07.07.2013</a:t>
+              <a:pPr/>
+              <a:t>08.07.2013</a:t>
             </a:fld>
             <a:endParaRPr lang="de-DE"/>
           </a:p>
@@ -3297,6 +3329,7 @@
           <a:p>
             <a:fld id="{397C1883-0123-4C3E-940E-22DC6CB7071D}" type="slidenum">
               <a:rPr lang="de-DE" smtClean="0"/>
+              <a:pPr/>
               <a:t>‹Nr.›</a:t>
             </a:fld>
             <a:endParaRPr lang="de-DE"/>
@@ -3659,7 +3692,8 @@
           <a:p>
             <a:fld id="{DC29BBC0-B56A-4C16-A9E7-3ED5929B05BF}" type="datetimeFigureOut">
               <a:rPr lang="de-DE" smtClean="0"/>
-              <a:t>07.07.2013</a:t>
+              <a:pPr/>
+              <a:t>08.07.2013</a:t>
             </a:fld>
             <a:endParaRPr lang="de-DE"/>
           </a:p>
@@ -3737,6 +3771,7 @@
           <a:p>
             <a:fld id="{397C1883-0123-4C3E-940E-22DC6CB7071D}" type="slidenum">
               <a:rPr lang="de-DE" smtClean="0"/>
+              <a:pPr/>
               <a:t>‹Nr.›</a:t>
             </a:fld>
             <a:endParaRPr lang="de-DE"/>
@@ -4836,11 +4871,7 @@
           <a:p>
             <a:r>
               <a:rPr lang="de-DE" sz="1800" dirty="0" smtClean="0"/>
-              <a:t> </a:t>
-            </a:r>
-            <a:r>
-              <a:rPr lang="de-DE" sz="1800" dirty="0" smtClean="0"/>
-              <a:t>* </a:t>
+              <a:t> * </a:t>
             </a:r>
             <a:r>
               <a:rPr lang="de-DE" sz="1800" dirty="0" err="1" smtClean="0"/>
@@ -4872,21 +4903,13 @@
             </a:r>
             <a:r>
               <a:rPr lang="de-DE" sz="1800" dirty="0" smtClean="0"/>
-              <a:t>?</a:t>
-            </a:r>
+              <a:t>? </a:t>
+            </a:r>
+          </a:p>
+          <a:p>
             <a:r>
               <a:rPr lang="de-DE" sz="1800" dirty="0" smtClean="0"/>
-              <a:t> </a:t>
-            </a:r>
-          </a:p>
-          <a:p>
-            <a:r>
-              <a:rPr lang="de-DE" sz="1800" dirty="0" smtClean="0"/>
-              <a:t> </a:t>
-            </a:r>
-            <a:r>
-              <a:rPr lang="de-DE" sz="1800" dirty="0" smtClean="0"/>
-              <a:t>*/</a:t>
+              <a:t> */</a:t>
             </a:r>
           </a:p>
           <a:p>
@@ -4929,11 +4952,7 @@
           <a:p>
             <a:r>
               <a:rPr lang="de-DE" sz="1800" dirty="0" smtClean="0"/>
-              <a:t>/* ??? </a:t>
-            </a:r>
-            <a:r>
-              <a:rPr lang="de-DE" sz="1800" dirty="0" smtClean="0"/>
-              <a:t>*/</a:t>
+              <a:t>/* ??? */</a:t>
             </a:r>
           </a:p>
           <a:p>
@@ -4993,6 +5012,1018 @@
 </p:sld>
 </file>
 
+<file path=ppt/slides/slide13.xml><?xml version="1.0" encoding="utf-8"?>
+<p:sld xmlns:a="http://schemas.openxmlformats.org/drawingml/2006/main" xmlns:r="http://schemas.openxmlformats.org/officeDocument/2006/relationships" xmlns:p="http://schemas.openxmlformats.org/presentationml/2006/main">
+  <p:cSld>
+    <p:spTree>
+      <p:nvGrpSpPr>
+        <p:cNvPr id="1" name=""/>
+        <p:cNvGrpSpPr/>
+        <p:nvPr/>
+      </p:nvGrpSpPr>
+      <p:grpSpPr>
+        <a:xfrm>
+          <a:off x="0" y="0"/>
+          <a:ext cx="0" cy="0"/>
+          <a:chOff x="0" y="0"/>
+          <a:chExt cx="0" cy="0"/>
+        </a:xfrm>
+      </p:grpSpPr>
+      <p:sp>
+        <p:nvSpPr>
+          <p:cNvPr id="2" name="Titel 1"/>
+          <p:cNvSpPr>
+            <a:spLocks noGrp="1"/>
+          </p:cNvSpPr>
+          <p:nvPr>
+            <p:ph type="title"/>
+          </p:nvPr>
+        </p:nvSpPr>
+        <p:spPr/>
+        <p:txBody>
+          <a:bodyPr/>
+          <a:lstStyle/>
+          <a:p>
+            <a:r>
+              <a:rPr lang="en-US" dirty="0" err="1" smtClean="0"/>
+              <a:t>Vorgehen</a:t>
+            </a:r>
+            <a:endParaRPr lang="de-DE" dirty="0"/>
+          </a:p>
+        </p:txBody>
+      </p:sp>
+      <p:sp>
+        <p:nvSpPr>
+          <p:cNvPr id="3" name="Inhaltsplatzhalter 2"/>
+          <p:cNvSpPr>
+            <a:spLocks noGrp="1"/>
+          </p:cNvSpPr>
+          <p:nvPr>
+            <p:ph idx="1"/>
+          </p:nvPr>
+        </p:nvSpPr>
+        <p:spPr/>
+        <p:txBody>
+          <a:bodyPr/>
+          <a:lstStyle/>
+          <a:p>
+            <a:r>
+              <a:rPr lang="en-US" dirty="0" err="1" smtClean="0"/>
+              <a:t>Analyse</a:t>
+            </a:r>
+            <a:r>
+              <a:rPr lang="en-US" dirty="0" smtClean="0"/>
+              <a:t> des Linux-</a:t>
+            </a:r>
+            <a:r>
+              <a:rPr lang="en-US" dirty="0" err="1" smtClean="0"/>
+              <a:t>Treibers</a:t>
+            </a:r>
+            <a:endParaRPr lang="en-US" dirty="0" smtClean="0"/>
+          </a:p>
+          <a:p>
+            <a:r>
+              <a:rPr lang="en-US" dirty="0" smtClean="0"/>
+              <a:t>Reverse Engineering </a:t>
+            </a:r>
+            <a:r>
+              <a:rPr lang="en-US" dirty="0" err="1" smtClean="0"/>
+              <a:t>mit</a:t>
+            </a:r>
+            <a:r>
+              <a:rPr lang="en-US" dirty="0" smtClean="0"/>
+              <a:t> </a:t>
+            </a:r>
+            <a:r>
+              <a:rPr lang="en-US" dirty="0" err="1" smtClean="0"/>
+              <a:t>Wireshark</a:t>
+            </a:r>
+            <a:endParaRPr lang="de-DE" dirty="0"/>
+          </a:p>
+        </p:txBody>
+      </p:sp>
+    </p:spTree>
+  </p:cSld>
+  <p:clrMapOvr>
+    <a:masterClrMapping/>
+  </p:clrMapOvr>
+</p:sld>
+</file>
+
+<file path=ppt/slides/slide14.xml><?xml version="1.0" encoding="utf-8"?>
+<p:sld xmlns:a="http://schemas.openxmlformats.org/drawingml/2006/main" xmlns:r="http://schemas.openxmlformats.org/officeDocument/2006/relationships" xmlns:p="http://schemas.openxmlformats.org/presentationml/2006/main">
+  <p:cSld>
+    <p:spTree>
+      <p:nvGrpSpPr>
+        <p:cNvPr id="1" name=""/>
+        <p:cNvGrpSpPr/>
+        <p:nvPr/>
+      </p:nvGrpSpPr>
+      <p:grpSpPr>
+        <a:xfrm>
+          <a:off x="0" y="0"/>
+          <a:ext cx="0" cy="0"/>
+          <a:chOff x="0" y="0"/>
+          <a:chExt cx="0" cy="0"/>
+        </a:xfrm>
+      </p:grpSpPr>
+      <p:sp>
+        <p:nvSpPr>
+          <p:cNvPr id="2" name="Titel 1"/>
+          <p:cNvSpPr>
+            <a:spLocks noGrp="1"/>
+          </p:cNvSpPr>
+          <p:nvPr>
+            <p:ph type="title"/>
+          </p:nvPr>
+        </p:nvSpPr>
+        <p:spPr/>
+        <p:txBody>
+          <a:bodyPr/>
+          <a:lstStyle/>
+          <a:p>
+            <a:r>
+              <a:rPr lang="en-US" dirty="0" err="1" smtClean="0"/>
+              <a:t>Treiberkonzept</a:t>
+            </a:r>
+            <a:r>
+              <a:rPr lang="en-US" dirty="0" smtClean="0"/>
+              <a:t>	</a:t>
+            </a:r>
+            <a:endParaRPr lang="de-DE" dirty="0"/>
+          </a:p>
+        </p:txBody>
+      </p:sp>
+      <p:sp>
+        <p:nvSpPr>
+          <p:cNvPr id="3" name="Inhaltsplatzhalter 2"/>
+          <p:cNvSpPr>
+            <a:spLocks noGrp="1"/>
+          </p:cNvSpPr>
+          <p:nvPr>
+            <p:ph idx="1"/>
+          </p:nvPr>
+        </p:nvSpPr>
+        <p:spPr/>
+        <p:txBody>
+          <a:bodyPr/>
+          <a:lstStyle/>
+          <a:p>
+            <a:r>
+              <a:rPr lang="en-US" dirty="0" err="1" smtClean="0"/>
+              <a:t>Registermanipulation</a:t>
+            </a:r>
+            <a:r>
+              <a:rPr lang="en-US" dirty="0" smtClean="0"/>
+              <a:t> </a:t>
+            </a:r>
+            <a:r>
+              <a:rPr lang="en-US" dirty="0" err="1" smtClean="0"/>
+              <a:t>durch</a:t>
+            </a:r>
+            <a:r>
+              <a:rPr lang="en-US" dirty="0" smtClean="0"/>
+              <a:t> </a:t>
+            </a:r>
+            <a:r>
+              <a:rPr lang="en-US" dirty="0" err="1" smtClean="0"/>
+              <a:t>synchrone</a:t>
+            </a:r>
+            <a:r>
+              <a:rPr lang="en-US" dirty="0" smtClean="0"/>
+              <a:t> </a:t>
+            </a:r>
+            <a:r>
+              <a:rPr lang="en-US" dirty="0" err="1" smtClean="0"/>
+              <a:t>Kontrollnachrichten</a:t>
+            </a:r>
+            <a:endParaRPr lang="en-US" dirty="0" smtClean="0"/>
+          </a:p>
+          <a:p>
+            <a:r>
+              <a:rPr lang="en-US" dirty="0" err="1" smtClean="0"/>
+              <a:t>Videodatentransfer</a:t>
+            </a:r>
+            <a:r>
+              <a:rPr lang="en-US" dirty="0" smtClean="0"/>
+              <a:t> </a:t>
+            </a:r>
+            <a:r>
+              <a:rPr lang="en-US" dirty="0" err="1" smtClean="0"/>
+              <a:t>durch</a:t>
+            </a:r>
+            <a:r>
+              <a:rPr lang="en-US" dirty="0" smtClean="0"/>
+              <a:t> </a:t>
+            </a:r>
+            <a:r>
+              <a:rPr lang="en-US" dirty="0" err="1" smtClean="0"/>
+              <a:t>isochronen</a:t>
+            </a:r>
+            <a:r>
+              <a:rPr lang="en-US" dirty="0" smtClean="0"/>
+              <a:t> </a:t>
+            </a:r>
+            <a:r>
+              <a:rPr lang="en-US" dirty="0" err="1" smtClean="0"/>
+              <a:t>Nachrichtenaustausch</a:t>
+            </a:r>
+            <a:endParaRPr lang="en-US" dirty="0" smtClean="0"/>
+          </a:p>
+          <a:p>
+            <a:endParaRPr lang="en-US" dirty="0" smtClean="0"/>
+          </a:p>
+          <a:p>
+            <a:pPr lvl="1"/>
+            <a:r>
+              <a:rPr lang="en-US" dirty="0" smtClean="0"/>
+              <a:t>Grabber, </a:t>
+            </a:r>
+            <a:r>
+              <a:rPr lang="en-US" dirty="0" err="1" smtClean="0"/>
+              <a:t>gib</a:t>
+            </a:r>
+            <a:r>
+              <a:rPr lang="en-US" dirty="0" smtClean="0"/>
+              <a:t> </a:t>
+            </a:r>
+            <a:r>
+              <a:rPr lang="en-US" dirty="0" err="1" smtClean="0"/>
+              <a:t>mir</a:t>
+            </a:r>
+            <a:r>
+              <a:rPr lang="en-US" dirty="0" smtClean="0"/>
+              <a:t> </a:t>
+            </a:r>
+            <a:r>
+              <a:rPr lang="en-US" dirty="0" err="1" smtClean="0"/>
+              <a:t>Daten</a:t>
+            </a:r>
+            <a:r>
+              <a:rPr lang="en-US" dirty="0" smtClean="0"/>
+              <a:t>!</a:t>
+            </a:r>
+          </a:p>
+          <a:p>
+            <a:pPr lvl="1"/>
+            <a:r>
+              <a:rPr lang="en-US" dirty="0" smtClean="0"/>
+              <a:t>…</a:t>
+            </a:r>
+          </a:p>
+          <a:p>
+            <a:pPr lvl="1"/>
+            <a:r>
+              <a:rPr lang="en-US" dirty="0" smtClean="0"/>
+              <a:t>Callback-</a:t>
+            </a:r>
+            <a:r>
+              <a:rPr lang="en-US" dirty="0" err="1" smtClean="0"/>
+              <a:t>Funktion</a:t>
+            </a:r>
+            <a:r>
+              <a:rPr lang="en-US" dirty="0" smtClean="0"/>
+              <a:t> </a:t>
+            </a:r>
+            <a:r>
+              <a:rPr lang="en-US" dirty="0" err="1" smtClean="0"/>
+              <a:t>wird</a:t>
+            </a:r>
+            <a:r>
+              <a:rPr lang="en-US" dirty="0" smtClean="0"/>
+              <a:t> </a:t>
+            </a:r>
+            <a:r>
+              <a:rPr lang="en-US" dirty="0" err="1" smtClean="0"/>
+              <a:t>aufgerufen</a:t>
+            </a:r>
+            <a:endParaRPr lang="de-DE" dirty="0"/>
+          </a:p>
+        </p:txBody>
+      </p:sp>
+    </p:spTree>
+  </p:cSld>
+  <p:clrMapOvr>
+    <a:masterClrMapping/>
+  </p:clrMapOvr>
+</p:sld>
+</file>
+
+<file path=ppt/slides/slide15.xml><?xml version="1.0" encoding="utf-8"?>
+<p:sld xmlns:a="http://schemas.openxmlformats.org/drawingml/2006/main" xmlns:r="http://schemas.openxmlformats.org/officeDocument/2006/relationships" xmlns:p="http://schemas.openxmlformats.org/presentationml/2006/main">
+  <p:cSld>
+    <p:spTree>
+      <p:nvGrpSpPr>
+        <p:cNvPr id="1" name=""/>
+        <p:cNvGrpSpPr/>
+        <p:nvPr/>
+      </p:nvGrpSpPr>
+      <p:grpSpPr>
+        <a:xfrm>
+          <a:off x="0" y="0"/>
+          <a:ext cx="0" cy="0"/>
+          <a:chOff x="0" y="0"/>
+          <a:chExt cx="0" cy="0"/>
+        </a:xfrm>
+      </p:grpSpPr>
+      <p:sp>
+        <p:nvSpPr>
+          <p:cNvPr id="2" name="Titel 1"/>
+          <p:cNvSpPr>
+            <a:spLocks noGrp="1"/>
+          </p:cNvSpPr>
+          <p:nvPr>
+            <p:ph type="title"/>
+          </p:nvPr>
+        </p:nvSpPr>
+        <p:spPr/>
+        <p:txBody>
+          <a:bodyPr/>
+          <a:lstStyle/>
+          <a:p>
+            <a:r>
+              <a:rPr lang="en-US" dirty="0" err="1" smtClean="0"/>
+              <a:t>Trennung</a:t>
+            </a:r>
+            <a:r>
+              <a:rPr lang="en-US" dirty="0" smtClean="0"/>
+              <a:t> in RIOT</a:t>
+            </a:r>
+            <a:endParaRPr lang="de-DE" dirty="0"/>
+          </a:p>
+        </p:txBody>
+      </p:sp>
+      <p:sp>
+        <p:nvSpPr>
+          <p:cNvPr id="3" name="Inhaltsplatzhalter 2"/>
+          <p:cNvSpPr>
+            <a:spLocks noGrp="1"/>
+          </p:cNvSpPr>
+          <p:nvPr>
+            <p:ph idx="1"/>
+          </p:nvPr>
+        </p:nvSpPr>
+        <p:spPr/>
+        <p:txBody>
+          <a:bodyPr/>
+          <a:lstStyle/>
+          <a:p>
+            <a:r>
+              <a:rPr lang="en-US" dirty="0" err="1" smtClean="0"/>
+              <a:t>Plattformabh</a:t>
+            </a:r>
+            <a:r>
+              <a:rPr lang="de-DE" dirty="0" err="1" smtClean="0"/>
+              <a:t>ängiger</a:t>
+            </a:r>
+            <a:r>
+              <a:rPr lang="de-DE" dirty="0" smtClean="0"/>
+              <a:t> Teil</a:t>
+            </a:r>
+          </a:p>
+          <a:p>
+            <a:endParaRPr lang="de-DE" dirty="0" smtClean="0"/>
+          </a:p>
+          <a:p>
+            <a:pPr lvl="1"/>
+            <a:r>
+              <a:rPr lang="de-DE" dirty="0" err="1" smtClean="0"/>
+              <a:t>Libusb</a:t>
+            </a:r>
+            <a:r>
+              <a:rPr lang="de-DE" dirty="0" smtClean="0"/>
+              <a:t>-Funktionen</a:t>
+            </a:r>
+          </a:p>
+          <a:p>
+            <a:pPr lvl="1"/>
+            <a:endParaRPr lang="de-DE" dirty="0" smtClean="0"/>
+          </a:p>
+          <a:p>
+            <a:r>
+              <a:rPr lang="de-DE" dirty="0" smtClean="0"/>
+              <a:t>Plattformunabhängiger Teil</a:t>
+            </a:r>
+          </a:p>
+          <a:p>
+            <a:endParaRPr lang="de-DE" dirty="0" smtClean="0"/>
+          </a:p>
+          <a:p>
+            <a:pPr lvl="1"/>
+            <a:r>
+              <a:rPr lang="de-DE" dirty="0" smtClean="0"/>
+              <a:t>Frontend</a:t>
+            </a:r>
+          </a:p>
+          <a:p>
+            <a:pPr lvl="1"/>
+            <a:r>
+              <a:rPr lang="de-DE" dirty="0" err="1" smtClean="0"/>
+              <a:t>start_streaming</a:t>
+            </a:r>
+            <a:r>
+              <a:rPr lang="de-DE" dirty="0" smtClean="0"/>
+              <a:t>()</a:t>
+            </a:r>
+            <a:endParaRPr lang="de-DE" dirty="0"/>
+          </a:p>
+        </p:txBody>
+      </p:sp>
+    </p:spTree>
+  </p:cSld>
+  <p:clrMapOvr>
+    <a:masterClrMapping/>
+  </p:clrMapOvr>
+</p:sld>
+</file>
+
+<file path=ppt/slides/slide16.xml><?xml version="1.0" encoding="utf-8"?>
+<p:sld xmlns:a="http://schemas.openxmlformats.org/drawingml/2006/main" xmlns:r="http://schemas.openxmlformats.org/officeDocument/2006/relationships" xmlns:p="http://schemas.openxmlformats.org/presentationml/2006/main">
+  <p:cSld>
+    <p:spTree>
+      <p:nvGrpSpPr>
+        <p:cNvPr id="1" name=""/>
+        <p:cNvGrpSpPr/>
+        <p:nvPr/>
+      </p:nvGrpSpPr>
+      <p:grpSpPr>
+        <a:xfrm>
+          <a:off x="0" y="0"/>
+          <a:ext cx="0" cy="0"/>
+          <a:chOff x="0" y="0"/>
+          <a:chExt cx="0" cy="0"/>
+        </a:xfrm>
+      </p:grpSpPr>
+      <p:sp>
+        <p:nvSpPr>
+          <p:cNvPr id="2" name="Titel 1"/>
+          <p:cNvSpPr>
+            <a:spLocks noGrp="1"/>
+          </p:cNvSpPr>
+          <p:nvPr>
+            <p:ph type="title"/>
+          </p:nvPr>
+        </p:nvSpPr>
+        <p:spPr/>
+        <p:txBody>
+          <a:bodyPr/>
+          <a:lstStyle/>
+          <a:p>
+            <a:r>
+              <a:rPr lang="de-DE" dirty="0" err="1" smtClean="0"/>
+              <a:t>Libusb</a:t>
+            </a:r>
+            <a:endParaRPr lang="de-DE" dirty="0"/>
+          </a:p>
+        </p:txBody>
+      </p:sp>
+      <p:sp>
+        <p:nvSpPr>
+          <p:cNvPr id="3" name="Inhaltsplatzhalter 2"/>
+          <p:cNvSpPr>
+            <a:spLocks noGrp="1"/>
+          </p:cNvSpPr>
+          <p:nvPr>
+            <p:ph idx="1"/>
+          </p:nvPr>
+        </p:nvSpPr>
+        <p:spPr/>
+        <p:txBody>
+          <a:bodyPr/>
+          <a:lstStyle/>
+          <a:p>
+            <a:r>
+              <a:rPr lang="de-DE" dirty="0" smtClean="0"/>
+              <a:t>Portable USB-Bibliothek</a:t>
+            </a:r>
+          </a:p>
+          <a:p>
+            <a:endParaRPr lang="de-DE" dirty="0" smtClean="0"/>
+          </a:p>
+          <a:p>
+            <a:r>
+              <a:rPr lang="de-DE" dirty="0" smtClean="0"/>
+              <a:t>Im Laufe des Projektes durch die kompatible </a:t>
+            </a:r>
+            <a:r>
+              <a:rPr lang="de-DE" dirty="0" err="1" smtClean="0"/>
+              <a:t>libusbx</a:t>
+            </a:r>
+            <a:r>
+              <a:rPr lang="de-DE" dirty="0" smtClean="0"/>
+              <a:t> (</a:t>
+            </a:r>
+            <a:r>
+              <a:rPr lang="de-DE" dirty="0" err="1" smtClean="0"/>
+              <a:t>Fork</a:t>
+            </a:r>
+            <a:r>
+              <a:rPr lang="de-DE" dirty="0" smtClean="0"/>
+              <a:t>) ersetzt</a:t>
+            </a:r>
+          </a:p>
+          <a:p>
+            <a:r>
+              <a:rPr lang="de-DE" dirty="0" smtClean="0"/>
+              <a:t>Aktivere Entwicklung</a:t>
+            </a:r>
+          </a:p>
+          <a:p>
+            <a:r>
+              <a:rPr lang="de-DE" dirty="0" smtClean="0"/>
+              <a:t>Besseres Debugging</a:t>
+            </a:r>
+          </a:p>
+          <a:p>
+            <a:r>
+              <a:rPr lang="de-DE" dirty="0" smtClean="0"/>
+              <a:t>Bessere Dokumentation</a:t>
+            </a:r>
+            <a:endParaRPr lang="de-DE" dirty="0"/>
+          </a:p>
+        </p:txBody>
+      </p:sp>
+    </p:spTree>
+  </p:cSld>
+  <p:clrMapOvr>
+    <a:masterClrMapping/>
+  </p:clrMapOvr>
+</p:sld>
+</file>
+
+<file path=ppt/slides/slide17.xml><?xml version="1.0" encoding="utf-8"?>
+<p:sld xmlns:a="http://schemas.openxmlformats.org/drawingml/2006/main" xmlns:r="http://schemas.openxmlformats.org/officeDocument/2006/relationships" xmlns:p="http://schemas.openxmlformats.org/presentationml/2006/main">
+  <p:cSld>
+    <p:spTree>
+      <p:nvGrpSpPr>
+        <p:cNvPr id="1" name=""/>
+        <p:cNvGrpSpPr/>
+        <p:nvPr/>
+      </p:nvGrpSpPr>
+      <p:grpSpPr>
+        <a:xfrm>
+          <a:off x="0" y="0"/>
+          <a:ext cx="0" cy="0"/>
+          <a:chOff x="0" y="0"/>
+          <a:chExt cx="0" cy="0"/>
+        </a:xfrm>
+      </p:grpSpPr>
+      <p:sp>
+        <p:nvSpPr>
+          <p:cNvPr id="4" name="Titel 3"/>
+          <p:cNvSpPr>
+            <a:spLocks noGrp="1"/>
+          </p:cNvSpPr>
+          <p:nvPr>
+            <p:ph type="title"/>
+          </p:nvPr>
+        </p:nvSpPr>
+        <p:spPr/>
+        <p:txBody>
+          <a:bodyPr/>
+          <a:lstStyle/>
+          <a:p>
+            <a:r>
+              <a:rPr lang="de-DE" dirty="0" smtClean="0"/>
+              <a:t>Codebeispiele</a:t>
+            </a:r>
+            <a:endParaRPr lang="de-DE" dirty="0"/>
+          </a:p>
+        </p:txBody>
+      </p:sp>
+      <p:sp>
+        <p:nvSpPr>
+          <p:cNvPr id="5" name="Textplatzhalter 4"/>
+          <p:cNvSpPr>
+            <a:spLocks noGrp="1"/>
+          </p:cNvSpPr>
+          <p:nvPr>
+            <p:ph type="body" idx="1"/>
+          </p:nvPr>
+        </p:nvSpPr>
+        <p:spPr/>
+        <p:txBody>
+          <a:bodyPr/>
+          <a:lstStyle/>
+          <a:p>
+            <a:endParaRPr lang="de-DE"/>
+          </a:p>
+        </p:txBody>
+      </p:sp>
+    </p:spTree>
+  </p:cSld>
+  <p:clrMapOvr>
+    <a:masterClrMapping/>
+  </p:clrMapOvr>
+</p:sld>
+</file>
+
+<file path=ppt/slides/slide18.xml><?xml version="1.0" encoding="utf-8"?>
+<p:sld xmlns:a="http://schemas.openxmlformats.org/drawingml/2006/main" xmlns:r="http://schemas.openxmlformats.org/officeDocument/2006/relationships" xmlns:p="http://schemas.openxmlformats.org/presentationml/2006/main">
+  <p:cSld>
+    <p:spTree>
+      <p:nvGrpSpPr>
+        <p:cNvPr id="1" name=""/>
+        <p:cNvGrpSpPr/>
+        <p:nvPr/>
+      </p:nvGrpSpPr>
+      <p:grpSpPr>
+        <a:xfrm>
+          <a:off x="0" y="0"/>
+          <a:ext cx="0" cy="0"/>
+          <a:chOff x="0" y="0"/>
+          <a:chExt cx="0" cy="0"/>
+        </a:xfrm>
+      </p:grpSpPr>
+      <p:sp>
+        <p:nvSpPr>
+          <p:cNvPr id="4" name="Titel 3"/>
+          <p:cNvSpPr>
+            <a:spLocks noGrp="1"/>
+          </p:cNvSpPr>
+          <p:nvPr>
+            <p:ph type="title"/>
+          </p:nvPr>
+        </p:nvSpPr>
+        <p:spPr/>
+        <p:txBody>
+          <a:bodyPr/>
+          <a:lstStyle/>
+          <a:p>
+            <a:r>
+              <a:rPr lang="de-DE" dirty="0" smtClean="0"/>
+              <a:t>Backend</a:t>
+            </a:r>
+            <a:endParaRPr lang="de-DE" dirty="0"/>
+          </a:p>
+        </p:txBody>
+      </p:sp>
+      <p:sp>
+        <p:nvSpPr>
+          <p:cNvPr id="5" name="Inhaltsplatzhalter 4"/>
+          <p:cNvSpPr>
+            <a:spLocks noGrp="1"/>
+          </p:cNvSpPr>
+          <p:nvPr>
+            <p:ph idx="1"/>
+          </p:nvPr>
+        </p:nvSpPr>
+        <p:spPr/>
+        <p:txBody>
+          <a:bodyPr>
+            <a:noAutofit/>
+          </a:bodyPr>
+          <a:lstStyle/>
+          <a:p>
+            <a:pPr>
+              <a:buNone/>
+            </a:pPr>
+            <a:r>
+              <a:rPr lang="de-DE" sz="1600" dirty="0" err="1" smtClean="0">
+                <a:latin typeface="Lucida Sans Typewriter" pitchFamily="49" charset="0"/>
+              </a:rPr>
+              <a:t>void</a:t>
+            </a:r>
+            <a:r>
+              <a:rPr lang="de-DE" sz="1600" dirty="0" smtClean="0">
+                <a:latin typeface="Lucida Sans Typewriter" pitchFamily="49" charset="0"/>
+              </a:rPr>
+              <a:t> </a:t>
+            </a:r>
+            <a:r>
+              <a:rPr lang="de-DE" sz="1600" dirty="0" smtClean="0">
+                <a:latin typeface="Lucida Sans Typewriter" pitchFamily="49" charset="0"/>
+              </a:rPr>
+              <a:t>stk1160_arch_init(</a:t>
+            </a:r>
+            <a:r>
+              <a:rPr lang="de-DE" sz="1600" dirty="0" err="1" smtClean="0">
+                <a:latin typeface="Lucida Sans Typewriter" pitchFamily="49" charset="0"/>
+              </a:rPr>
+              <a:t>void</a:t>
+            </a:r>
+            <a:r>
+              <a:rPr lang="de-DE" sz="1600" dirty="0" smtClean="0">
+                <a:latin typeface="Lucida Sans Typewriter" pitchFamily="49" charset="0"/>
+              </a:rPr>
+              <a:t>);</a:t>
+            </a:r>
+          </a:p>
+          <a:p>
+            <a:pPr>
+              <a:buNone/>
+            </a:pPr>
+            <a:endParaRPr lang="de-DE" sz="1600" dirty="0" smtClean="0">
+              <a:latin typeface="Lucida Sans Typewriter" pitchFamily="49" charset="0"/>
+            </a:endParaRPr>
+          </a:p>
+          <a:p>
+            <a:pPr>
+              <a:buNone/>
+            </a:pPr>
+            <a:r>
+              <a:rPr lang="de-DE" sz="1600" dirty="0" err="1" smtClean="0">
+                <a:latin typeface="Lucida Sans Typewriter" pitchFamily="49" charset="0"/>
+              </a:rPr>
+              <a:t>int</a:t>
+            </a:r>
+            <a:r>
+              <a:rPr lang="de-DE" sz="1600" dirty="0" smtClean="0">
+                <a:latin typeface="Lucida Sans Typewriter" pitchFamily="49" charset="0"/>
+              </a:rPr>
+              <a:t> </a:t>
+            </a:r>
+            <a:r>
+              <a:rPr lang="de-DE" sz="1600" dirty="0" err="1" smtClean="0">
+                <a:latin typeface="Lucida Sans Typewriter" pitchFamily="49" charset="0"/>
+              </a:rPr>
+              <a:t>usb_control_msg</a:t>
+            </a:r>
+            <a:r>
+              <a:rPr lang="de-DE" sz="1600" dirty="0" smtClean="0">
+                <a:latin typeface="Lucida Sans Typewriter" pitchFamily="49" charset="0"/>
+              </a:rPr>
+              <a:t>(…);</a:t>
+            </a:r>
+          </a:p>
+          <a:p>
+            <a:pPr>
+              <a:buNone/>
+            </a:pPr>
+            <a:endParaRPr lang="de-DE" sz="1600" dirty="0" smtClean="0">
+              <a:latin typeface="Lucida Sans Typewriter" pitchFamily="49" charset="0"/>
+            </a:endParaRPr>
+          </a:p>
+          <a:p>
+            <a:pPr>
+              <a:buNone/>
+            </a:pPr>
+            <a:r>
+              <a:rPr lang="de-DE" sz="1600" dirty="0" err="1" smtClean="0">
+                <a:latin typeface="Lucida Sans Typewriter" pitchFamily="49" charset="0"/>
+              </a:rPr>
+              <a:t>void</a:t>
+            </a:r>
+            <a:r>
+              <a:rPr lang="de-DE" sz="1600" dirty="0" smtClean="0">
+                <a:latin typeface="Lucida Sans Typewriter" pitchFamily="49" charset="0"/>
+              </a:rPr>
+              <a:t> </a:t>
+            </a:r>
+            <a:r>
+              <a:rPr lang="de-DE" sz="1600" dirty="0" err="1" smtClean="0">
+                <a:latin typeface="Lucida Sans Typewriter" pitchFamily="49" charset="0"/>
+              </a:rPr>
+              <a:t>iso_handler</a:t>
+            </a:r>
+            <a:r>
+              <a:rPr lang="de-DE" sz="1600" dirty="0" smtClean="0">
+                <a:latin typeface="Lucida Sans Typewriter" pitchFamily="49" charset="0"/>
+              </a:rPr>
+              <a:t>(…);</a:t>
+            </a:r>
+          </a:p>
+          <a:p>
+            <a:pPr>
+              <a:buNone/>
+            </a:pPr>
+            <a:endParaRPr lang="de-DE" sz="1600" dirty="0" smtClean="0">
+              <a:latin typeface="Lucida Sans Typewriter" pitchFamily="49" charset="0"/>
+            </a:endParaRPr>
+          </a:p>
+          <a:p>
+            <a:pPr>
+              <a:buNone/>
+            </a:pPr>
+            <a:r>
+              <a:rPr lang="de-DE" sz="1600" dirty="0" err="1" smtClean="0">
+                <a:latin typeface="Lucida Sans Typewriter" pitchFamily="49" charset="0"/>
+              </a:rPr>
+              <a:t>void</a:t>
+            </a:r>
+            <a:r>
+              <a:rPr lang="de-DE" sz="1600" dirty="0" smtClean="0">
+                <a:latin typeface="Lucida Sans Typewriter" pitchFamily="49" charset="0"/>
+              </a:rPr>
+              <a:t> </a:t>
+            </a:r>
+            <a:r>
+              <a:rPr lang="de-DE" sz="1600" dirty="0" err="1" smtClean="0">
+                <a:latin typeface="Lucida Sans Typewriter" pitchFamily="49" charset="0"/>
+              </a:rPr>
+              <a:t>libusb_event_handling_thread</a:t>
+            </a:r>
+            <a:r>
+              <a:rPr lang="de-DE" sz="1600" dirty="0" smtClean="0">
+                <a:latin typeface="Lucida Sans Typewriter" pitchFamily="49" charset="0"/>
+              </a:rPr>
+              <a:t>(</a:t>
+            </a:r>
+            <a:r>
+              <a:rPr lang="de-DE" sz="1600" dirty="0" err="1" smtClean="0">
+                <a:latin typeface="Lucida Sans Typewriter" pitchFamily="49" charset="0"/>
+              </a:rPr>
+              <a:t>void</a:t>
+            </a:r>
+            <a:r>
+              <a:rPr lang="de-DE" sz="1600" dirty="0" smtClean="0">
+                <a:latin typeface="Lucida Sans Typewriter" pitchFamily="49" charset="0"/>
+              </a:rPr>
+              <a:t>);</a:t>
+            </a:r>
+            <a:endParaRPr lang="de-DE" sz="1600" dirty="0" smtClean="0">
+              <a:latin typeface="Lucida Sans Typewriter" pitchFamily="49" charset="0"/>
+            </a:endParaRPr>
+          </a:p>
+        </p:txBody>
+      </p:sp>
+    </p:spTree>
+  </p:cSld>
+  <p:clrMapOvr>
+    <a:masterClrMapping/>
+  </p:clrMapOvr>
+</p:sld>
+</file>
+
+<file path=ppt/slides/slide19.xml><?xml version="1.0" encoding="utf-8"?>
+<p:sld xmlns:a="http://schemas.openxmlformats.org/drawingml/2006/main" xmlns:r="http://schemas.openxmlformats.org/officeDocument/2006/relationships" xmlns:p="http://schemas.openxmlformats.org/presentationml/2006/main">
+  <p:cSld>
+    <p:spTree>
+      <p:nvGrpSpPr>
+        <p:cNvPr id="1" name=""/>
+        <p:cNvGrpSpPr/>
+        <p:nvPr/>
+      </p:nvGrpSpPr>
+      <p:grpSpPr>
+        <a:xfrm>
+          <a:off x="0" y="0"/>
+          <a:ext cx="0" cy="0"/>
+          <a:chOff x="0" y="0"/>
+          <a:chExt cx="0" cy="0"/>
+        </a:xfrm>
+      </p:grpSpPr>
+      <p:sp>
+        <p:nvSpPr>
+          <p:cNvPr id="2" name="Titel 1"/>
+          <p:cNvSpPr>
+            <a:spLocks noGrp="1"/>
+          </p:cNvSpPr>
+          <p:nvPr>
+            <p:ph type="title"/>
+          </p:nvPr>
+        </p:nvSpPr>
+        <p:spPr/>
+        <p:txBody>
+          <a:bodyPr/>
+          <a:lstStyle/>
+          <a:p>
+            <a:r>
+              <a:rPr lang="de-DE" dirty="0" smtClean="0"/>
+              <a:t>Frontend (Auswahl)</a:t>
+            </a:r>
+            <a:endParaRPr lang="de-DE" dirty="0"/>
+          </a:p>
+        </p:txBody>
+      </p:sp>
+      <p:sp>
+        <p:nvSpPr>
+          <p:cNvPr id="3" name="Inhaltsplatzhalter 2"/>
+          <p:cNvSpPr>
+            <a:spLocks noGrp="1"/>
+          </p:cNvSpPr>
+          <p:nvPr>
+            <p:ph idx="1"/>
+          </p:nvPr>
+        </p:nvSpPr>
+        <p:spPr/>
+        <p:txBody>
+          <a:bodyPr>
+            <a:normAutofit/>
+          </a:bodyPr>
+          <a:lstStyle/>
+          <a:p>
+            <a:pPr>
+              <a:buNone/>
+            </a:pPr>
+            <a:r>
+              <a:rPr lang="nn-NO" sz="1800" dirty="0" smtClean="0">
+                <a:latin typeface="Lucida Sans Typewriter" pitchFamily="49" charset="0"/>
+              </a:rPr>
+              <a:t>int stk1160_read_reg(uint16_t reg, uint8_t* val</a:t>
+            </a:r>
+            <a:r>
+              <a:rPr lang="nn-NO" sz="1800" dirty="0" smtClean="0">
+                <a:latin typeface="Lucida Sans Typewriter" pitchFamily="49" charset="0"/>
+              </a:rPr>
+              <a:t>);</a:t>
+            </a:r>
+          </a:p>
+          <a:p>
+            <a:pPr>
+              <a:buNone/>
+            </a:pPr>
+            <a:endParaRPr lang="nn-NO" sz="1800" dirty="0" smtClean="0">
+              <a:latin typeface="Lucida Sans Typewriter" pitchFamily="49" charset="0"/>
+            </a:endParaRPr>
+          </a:p>
+          <a:p>
+            <a:pPr>
+              <a:buNone/>
+            </a:pPr>
+            <a:r>
+              <a:rPr lang="nn-NO" sz="1800" dirty="0" smtClean="0">
+                <a:latin typeface="Lucida Sans Typewriter" pitchFamily="49" charset="0"/>
+              </a:rPr>
+              <a:t>int stk1160_write_reg(uint16_t </a:t>
+            </a:r>
+            <a:r>
+              <a:rPr lang="nn-NO" sz="1800" dirty="0" smtClean="0">
+                <a:latin typeface="Lucida Sans Typewriter" pitchFamily="49" charset="0"/>
+              </a:rPr>
+              <a:t>reg</a:t>
+            </a:r>
+            <a:r>
+              <a:rPr lang="nn-NO" sz="1800" dirty="0" smtClean="0">
+                <a:latin typeface="Lucida Sans Typewriter" pitchFamily="49" charset="0"/>
+              </a:rPr>
+              <a:t>, uint16_t val</a:t>
+            </a:r>
+            <a:r>
+              <a:rPr lang="nn-NO" sz="1800" dirty="0" smtClean="0">
+                <a:latin typeface="Lucida Sans Typewriter" pitchFamily="49" charset="0"/>
+              </a:rPr>
+              <a:t>);</a:t>
+            </a:r>
+          </a:p>
+          <a:p>
+            <a:pPr>
+              <a:buNone/>
+            </a:pPr>
+            <a:endParaRPr lang="nn-NO" sz="1800" dirty="0" smtClean="0">
+              <a:latin typeface="Lucida Sans Typewriter" pitchFamily="49" charset="0"/>
+            </a:endParaRPr>
+          </a:p>
+          <a:p>
+            <a:pPr>
+              <a:buNone/>
+            </a:pPr>
+            <a:r>
+              <a:rPr lang="de-DE" sz="1800" dirty="0" err="1" smtClean="0">
+                <a:latin typeface="Lucida Sans Typewriter" pitchFamily="49" charset="0"/>
+              </a:rPr>
+              <a:t>int</a:t>
+            </a:r>
+            <a:endParaRPr lang="de-DE" sz="1800" dirty="0" smtClean="0">
+              <a:latin typeface="Lucida Sans Typewriter" pitchFamily="49" charset="0"/>
+            </a:endParaRPr>
+          </a:p>
+          <a:p>
+            <a:pPr>
+              <a:buNone/>
+            </a:pPr>
+            <a:r>
+              <a:rPr lang="de-DE" sz="1800" dirty="0" smtClean="0">
+                <a:latin typeface="Lucida Sans Typewriter" pitchFamily="49" charset="0"/>
+              </a:rPr>
+              <a:t>stk1160_start_streaming</a:t>
+            </a:r>
+          </a:p>
+          <a:p>
+            <a:pPr>
+              <a:buNone/>
+            </a:pPr>
+            <a:r>
+              <a:rPr lang="de-DE" sz="1800" dirty="0" smtClean="0">
+                <a:latin typeface="Lucida Sans Typewriter" pitchFamily="49" charset="0"/>
+              </a:rPr>
+              <a:t>(stk1160_process_data_cb_handler </a:t>
+            </a:r>
+            <a:r>
+              <a:rPr lang="de-DE" sz="1800" dirty="0" err="1" smtClean="0">
+                <a:latin typeface="Lucida Sans Typewriter" pitchFamily="49" charset="0"/>
+              </a:rPr>
+              <a:t>user_handler</a:t>
+            </a:r>
+            <a:r>
+              <a:rPr lang="de-DE" sz="1800" dirty="0" smtClean="0">
+                <a:latin typeface="Lucida Sans Typewriter" pitchFamily="49" charset="0"/>
+              </a:rPr>
+              <a:t>);</a:t>
+            </a:r>
+            <a:endParaRPr lang="de-DE" sz="1800" dirty="0">
+              <a:latin typeface="Lucida Sans Typewriter" pitchFamily="49" charset="0"/>
+            </a:endParaRPr>
+          </a:p>
+        </p:txBody>
+      </p:sp>
+    </p:spTree>
+  </p:cSld>
+  <p:clrMapOvr>
+    <a:masterClrMapping/>
+  </p:clrMapOvr>
+</p:sld>
+</file>
+
 <file path=ppt/slides/slide2.xml><?xml version="1.0" encoding="utf-8"?>
 <p:sld xmlns:a="http://schemas.openxmlformats.org/drawingml/2006/main" xmlns:r="http://schemas.openxmlformats.org/officeDocument/2006/relationships" xmlns:p="http://schemas.openxmlformats.org/presentationml/2006/main">
   <p:cSld>
@@ -5134,6 +6165,327 @@
           <a:noFill/>
         </p:spPr>
       </p:pic>
+    </p:spTree>
+  </p:cSld>
+  <p:clrMapOvr>
+    <a:masterClrMapping/>
+  </p:clrMapOvr>
+</p:sld>
+</file>
+
+<file path=ppt/slides/slide20.xml><?xml version="1.0" encoding="utf-8"?>
+<p:sld xmlns:a="http://schemas.openxmlformats.org/drawingml/2006/main" xmlns:r="http://schemas.openxmlformats.org/officeDocument/2006/relationships" xmlns:p="http://schemas.openxmlformats.org/presentationml/2006/main">
+  <p:cSld>
+    <p:spTree>
+      <p:nvGrpSpPr>
+        <p:cNvPr id="1" name=""/>
+        <p:cNvGrpSpPr/>
+        <p:nvPr/>
+      </p:nvGrpSpPr>
+      <p:grpSpPr>
+        <a:xfrm>
+          <a:off x="0" y="0"/>
+          <a:ext cx="0" cy="0"/>
+          <a:chOff x="0" y="0"/>
+          <a:chExt cx="0" cy="0"/>
+        </a:xfrm>
+      </p:grpSpPr>
+      <p:sp>
+        <p:nvSpPr>
+          <p:cNvPr id="2" name="Titel 1"/>
+          <p:cNvSpPr>
+            <a:spLocks noGrp="1"/>
+          </p:cNvSpPr>
+          <p:nvPr>
+            <p:ph type="title"/>
+          </p:nvPr>
+        </p:nvSpPr>
+        <p:spPr/>
+        <p:txBody>
+          <a:bodyPr/>
+          <a:lstStyle/>
+          <a:p>
+            <a:r>
+              <a:rPr lang="de-DE" dirty="0" smtClean="0"/>
+              <a:t>Beispielprogramm</a:t>
+            </a:r>
+            <a:endParaRPr lang="de-DE" dirty="0"/>
+          </a:p>
+        </p:txBody>
+      </p:sp>
+      <p:sp>
+        <p:nvSpPr>
+          <p:cNvPr id="3" name="Inhaltsplatzhalter 2"/>
+          <p:cNvSpPr>
+            <a:spLocks noGrp="1"/>
+          </p:cNvSpPr>
+          <p:nvPr>
+            <p:ph idx="1"/>
+          </p:nvPr>
+        </p:nvSpPr>
+        <p:spPr/>
+        <p:txBody>
+          <a:bodyPr>
+            <a:normAutofit/>
+          </a:bodyPr>
+          <a:lstStyle/>
+          <a:p>
+            <a:pPr>
+              <a:buNone/>
+            </a:pPr>
+            <a:r>
+              <a:rPr lang="en-US" sz="1400" dirty="0" smtClean="0">
+                <a:latin typeface="Lucida Sans Typewriter" pitchFamily="49" charset="0"/>
+              </a:rPr>
+              <a:t>char* buffer;</a:t>
+            </a:r>
+          </a:p>
+          <a:p>
+            <a:pPr>
+              <a:buNone/>
+            </a:pPr>
+            <a:endParaRPr lang="en-US" sz="1400" dirty="0" smtClean="0">
+              <a:latin typeface="Lucida Sans Typewriter" pitchFamily="49" charset="0"/>
+            </a:endParaRPr>
+          </a:p>
+          <a:p>
+            <a:pPr>
+              <a:buNone/>
+            </a:pPr>
+            <a:r>
+              <a:rPr lang="en-US" sz="1400" dirty="0" smtClean="0">
+                <a:latin typeface="Lucida Sans Typewriter" pitchFamily="49" charset="0"/>
+              </a:rPr>
+              <a:t>void </a:t>
+            </a:r>
+            <a:r>
+              <a:rPr lang="en-US" sz="1400" dirty="0" err="1" smtClean="0">
+                <a:latin typeface="Lucida Sans Typewriter" pitchFamily="49" charset="0"/>
+              </a:rPr>
+              <a:t>our_handler</a:t>
+            </a:r>
+            <a:r>
+              <a:rPr lang="en-US" sz="1400" dirty="0" smtClean="0">
+                <a:latin typeface="Lucida Sans Typewriter" pitchFamily="49" charset="0"/>
+              </a:rPr>
+              <a:t>(uint8_t *data, uint16_t length</a:t>
+            </a:r>
+            <a:r>
+              <a:rPr lang="en-US" sz="1400" dirty="0" smtClean="0">
+                <a:latin typeface="Lucida Sans Typewriter" pitchFamily="49" charset="0"/>
+              </a:rPr>
+              <a:t>)</a:t>
+            </a:r>
+          </a:p>
+          <a:p>
+            <a:pPr>
+              <a:buNone/>
+            </a:pPr>
+            <a:r>
+              <a:rPr lang="en-US" sz="1400" dirty="0" smtClean="0">
+                <a:latin typeface="Lucida Sans Typewriter" pitchFamily="49" charset="0"/>
+              </a:rPr>
+              <a:t>{</a:t>
+            </a:r>
+          </a:p>
+          <a:p>
+            <a:pPr>
+              <a:buNone/>
+            </a:pPr>
+            <a:r>
+              <a:rPr lang="en-US" sz="1400" dirty="0" smtClean="0">
+                <a:latin typeface="Lucida Sans Typewriter" pitchFamily="49" charset="0"/>
+              </a:rPr>
+              <a:t>	</a:t>
+            </a:r>
+            <a:r>
+              <a:rPr lang="en-US" sz="1400" dirty="0" smtClean="0">
+                <a:latin typeface="Lucida Sans Typewriter" pitchFamily="49" charset="0"/>
+              </a:rPr>
+              <a:t>/* process data */</a:t>
+            </a:r>
+          </a:p>
+          <a:p>
+            <a:pPr>
+              <a:buNone/>
+            </a:pPr>
+            <a:r>
+              <a:rPr lang="en-US" sz="1400" dirty="0" smtClean="0">
+                <a:latin typeface="Lucida Sans Typewriter" pitchFamily="49" charset="0"/>
+              </a:rPr>
+              <a:t>}</a:t>
+            </a:r>
+            <a:endParaRPr lang="de-DE" sz="1400" dirty="0" smtClean="0">
+              <a:latin typeface="Lucida Sans Typewriter" pitchFamily="49" charset="0"/>
+            </a:endParaRPr>
+          </a:p>
+          <a:p>
+            <a:pPr>
+              <a:buNone/>
+            </a:pPr>
+            <a:endParaRPr lang="de-DE" sz="1400" dirty="0" smtClean="0">
+              <a:latin typeface="Lucida Sans Typewriter" pitchFamily="49" charset="0"/>
+            </a:endParaRPr>
+          </a:p>
+          <a:p>
+            <a:pPr>
+              <a:buNone/>
+            </a:pPr>
+            <a:r>
+              <a:rPr lang="de-DE" sz="1400" dirty="0" err="1" smtClean="0">
+                <a:latin typeface="Lucida Sans Typewriter" pitchFamily="49" charset="0"/>
+              </a:rPr>
+              <a:t>int</a:t>
+            </a:r>
+            <a:r>
+              <a:rPr lang="de-DE" sz="1400" dirty="0" smtClean="0">
+                <a:latin typeface="Lucida Sans Typewriter" pitchFamily="49" charset="0"/>
+              </a:rPr>
+              <a:t> </a:t>
+            </a:r>
+            <a:r>
+              <a:rPr lang="de-DE" sz="1400" dirty="0" err="1" smtClean="0">
+                <a:latin typeface="Lucida Sans Typewriter" pitchFamily="49" charset="0"/>
+              </a:rPr>
+              <a:t>main</a:t>
+            </a:r>
+            <a:r>
+              <a:rPr lang="de-DE" sz="1400" dirty="0" smtClean="0">
+                <a:latin typeface="Lucida Sans Typewriter" pitchFamily="49" charset="0"/>
+              </a:rPr>
+              <a:t>(</a:t>
+            </a:r>
+            <a:r>
+              <a:rPr lang="de-DE" sz="1400" dirty="0" err="1" smtClean="0">
+                <a:latin typeface="Lucida Sans Typewriter" pitchFamily="49" charset="0"/>
+              </a:rPr>
+              <a:t>void</a:t>
+            </a:r>
+            <a:r>
+              <a:rPr lang="de-DE" sz="1400" dirty="0" smtClean="0">
+                <a:latin typeface="Lucida Sans Typewriter" pitchFamily="49" charset="0"/>
+              </a:rPr>
+              <a:t>)</a:t>
+            </a:r>
+          </a:p>
+          <a:p>
+            <a:pPr>
+              <a:buNone/>
+            </a:pPr>
+            <a:r>
+              <a:rPr lang="de-DE" sz="1400" dirty="0" smtClean="0">
+                <a:latin typeface="Lucida Sans Typewriter" pitchFamily="49" charset="0"/>
+              </a:rPr>
+              <a:t>{</a:t>
+            </a:r>
+          </a:p>
+          <a:p>
+            <a:pPr>
+              <a:buNone/>
+            </a:pPr>
+            <a:r>
+              <a:rPr lang="de-DE" sz="1400" dirty="0" smtClean="0">
+                <a:latin typeface="Lucida Sans Typewriter" pitchFamily="49" charset="0"/>
+              </a:rPr>
+              <a:t>	stk1160_set_videosource(STK1160_VIDEO_SOURCE_COMPOSITE0);</a:t>
+            </a:r>
+          </a:p>
+          <a:p>
+            <a:pPr>
+              <a:buNone/>
+            </a:pPr>
+            <a:endParaRPr lang="de-DE" sz="1400" dirty="0" smtClean="0">
+              <a:latin typeface="Lucida Sans Typewriter" pitchFamily="49" charset="0"/>
+            </a:endParaRPr>
+          </a:p>
+          <a:p>
+            <a:pPr>
+              <a:buNone/>
+            </a:pPr>
+            <a:r>
+              <a:rPr lang="de-DE" sz="1400" dirty="0" smtClean="0">
+                <a:latin typeface="Lucida Sans Typewriter" pitchFamily="49" charset="0"/>
+              </a:rPr>
+              <a:t>	/* </a:t>
+            </a:r>
+            <a:r>
+              <a:rPr lang="de-DE" sz="1400" dirty="0" err="1" smtClean="0">
+                <a:latin typeface="Lucida Sans Typewriter" pitchFamily="49" charset="0"/>
+              </a:rPr>
+              <a:t>allocate</a:t>
+            </a:r>
+            <a:r>
+              <a:rPr lang="de-DE" sz="1400" dirty="0" smtClean="0">
+                <a:latin typeface="Lucida Sans Typewriter" pitchFamily="49" charset="0"/>
+              </a:rPr>
+              <a:t> </a:t>
+            </a:r>
+            <a:r>
+              <a:rPr lang="de-DE" sz="1400" dirty="0" err="1" smtClean="0">
+                <a:latin typeface="Lucida Sans Typewriter" pitchFamily="49" charset="0"/>
+              </a:rPr>
+              <a:t>buffer</a:t>
+            </a:r>
+            <a:r>
+              <a:rPr lang="de-DE" sz="1400" dirty="0" smtClean="0">
+                <a:latin typeface="Lucida Sans Typewriter" pitchFamily="49" charset="0"/>
+              </a:rPr>
+              <a:t> */</a:t>
+            </a:r>
+          </a:p>
+          <a:p>
+            <a:pPr>
+              <a:buNone/>
+            </a:pPr>
+            <a:endParaRPr lang="de-DE" sz="1400" dirty="0" smtClean="0">
+              <a:latin typeface="Lucida Sans Typewriter" pitchFamily="49" charset="0"/>
+            </a:endParaRPr>
+          </a:p>
+          <a:p>
+            <a:pPr>
+              <a:buNone/>
+            </a:pPr>
+            <a:r>
+              <a:rPr lang="de-DE" sz="1400" dirty="0" smtClean="0">
+                <a:latin typeface="Lucida Sans Typewriter" pitchFamily="49" charset="0"/>
+              </a:rPr>
+              <a:t>	</a:t>
+            </a:r>
+            <a:r>
+              <a:rPr lang="de-DE" sz="1400" dirty="0" smtClean="0">
+                <a:latin typeface="Lucida Sans Typewriter" pitchFamily="49" charset="0"/>
+              </a:rPr>
+              <a:t>stk1160_start_streaming(</a:t>
+            </a:r>
+            <a:r>
+              <a:rPr lang="de-DE" sz="1400" dirty="0" err="1" smtClean="0">
+                <a:latin typeface="Lucida Sans Typewriter" pitchFamily="49" charset="0"/>
+              </a:rPr>
+              <a:t>our_handler</a:t>
+            </a:r>
+            <a:r>
+              <a:rPr lang="de-DE" sz="1400" dirty="0" smtClean="0">
+                <a:latin typeface="Lucida Sans Typewriter" pitchFamily="49" charset="0"/>
+              </a:rPr>
+              <a:t>);</a:t>
+            </a:r>
+          </a:p>
+          <a:p>
+            <a:pPr>
+              <a:buNone/>
+            </a:pPr>
+            <a:r>
+              <a:rPr lang="de-DE" sz="1400" dirty="0" smtClean="0">
+                <a:latin typeface="Lucida Sans Typewriter" pitchFamily="49" charset="0"/>
+              </a:rPr>
+              <a:t>}</a:t>
+            </a:r>
+            <a:endParaRPr lang="de-DE" sz="1400" dirty="0">
+              <a:latin typeface="Lucida Sans Typewriter" pitchFamily="49" charset="0"/>
+            </a:endParaRPr>
+          </a:p>
+        </p:txBody>
+      </p:sp>
     </p:spTree>
   </p:cSld>
   <p:clrMapOvr>
